--- a/384 - Jesus, Thou Art Standing.pptx
+++ b/384 - Jesus, Thou Art Standing.pptx
@@ -114,10 +114,6 @@
 </p:presentation>
 </file>
 
-<file path=ppt/revisionInfo.xml><?xml version="1.0" encoding="utf-8"?>
-<p1510:revInfo xmlns:a="http://schemas.openxmlformats.org/drawingml/2006/main" xmlns:r="http://schemas.openxmlformats.org/officeDocument/2006/relationships" xmlns:p1510="http://schemas.microsoft.com/office/powerpoint/2015/10/main"/>
-</file>
-
 <file path=ppt/slideLayouts/slideLayout1.xml><?xml version="1.0" encoding="utf-8"?>
 <p:sldLayout xmlns:a="http://schemas.openxmlformats.org/drawingml/2006/main" xmlns:r="http://schemas.openxmlformats.org/officeDocument/2006/relationships" xmlns:p="http://schemas.openxmlformats.org/presentationml/2006/main" type="title" preserve="1">
   <p:cSld name="Title Slide">
@@ -247,7 +243,7 @@
           <a:p>
             <a:fld id="{32F7251A-AE54-443C-B8FE-5F636E835EBF}" type="datetimeFigureOut">
               <a:rPr lang="en-US" smtClean="0"/>
-              <a:t>6/25/2017</a:t>
+              <a:t>3/17/2019</a:t>
             </a:fld>
             <a:endParaRPr lang="en-US"/>
           </a:p>
@@ -415,7 +411,7 @@
           <a:p>
             <a:fld id="{32F7251A-AE54-443C-B8FE-5F636E835EBF}" type="datetimeFigureOut">
               <a:rPr lang="en-US" smtClean="0"/>
-              <a:t>6/25/2017</a:t>
+              <a:t>3/17/2019</a:t>
             </a:fld>
             <a:endParaRPr lang="en-US"/>
           </a:p>
@@ -593,7 +589,7 @@
           <a:p>
             <a:fld id="{32F7251A-AE54-443C-B8FE-5F636E835EBF}" type="datetimeFigureOut">
               <a:rPr lang="en-US" smtClean="0"/>
-              <a:t>6/25/2017</a:t>
+              <a:t>3/17/2019</a:t>
             </a:fld>
             <a:endParaRPr lang="en-US"/>
           </a:p>
@@ -761,7 +757,7 @@
           <a:p>
             <a:fld id="{32F7251A-AE54-443C-B8FE-5F636E835EBF}" type="datetimeFigureOut">
               <a:rPr lang="en-US" smtClean="0"/>
-              <a:t>6/25/2017</a:t>
+              <a:t>3/17/2019</a:t>
             </a:fld>
             <a:endParaRPr lang="en-US"/>
           </a:p>
@@ -1006,7 +1002,7 @@
           <a:p>
             <a:fld id="{32F7251A-AE54-443C-B8FE-5F636E835EBF}" type="datetimeFigureOut">
               <a:rPr lang="en-US" smtClean="0"/>
-              <a:t>6/25/2017</a:t>
+              <a:t>3/17/2019</a:t>
             </a:fld>
             <a:endParaRPr lang="en-US"/>
           </a:p>
@@ -1235,7 +1231,7 @@
           <a:p>
             <a:fld id="{32F7251A-AE54-443C-B8FE-5F636E835EBF}" type="datetimeFigureOut">
               <a:rPr lang="en-US" smtClean="0"/>
-              <a:t>6/25/2017</a:t>
+              <a:t>3/17/2019</a:t>
             </a:fld>
             <a:endParaRPr lang="en-US"/>
           </a:p>
@@ -1599,7 +1595,7 @@
           <a:p>
             <a:fld id="{32F7251A-AE54-443C-B8FE-5F636E835EBF}" type="datetimeFigureOut">
               <a:rPr lang="en-US" smtClean="0"/>
-              <a:t>6/25/2017</a:t>
+              <a:t>3/17/2019</a:t>
             </a:fld>
             <a:endParaRPr lang="en-US"/>
           </a:p>
@@ -1716,7 +1712,7 @@
           <a:p>
             <a:fld id="{32F7251A-AE54-443C-B8FE-5F636E835EBF}" type="datetimeFigureOut">
               <a:rPr lang="en-US" smtClean="0"/>
-              <a:t>6/25/2017</a:t>
+              <a:t>3/17/2019</a:t>
             </a:fld>
             <a:endParaRPr lang="en-US"/>
           </a:p>
@@ -1811,7 +1807,7 @@
           <a:p>
             <a:fld id="{32F7251A-AE54-443C-B8FE-5F636E835EBF}" type="datetimeFigureOut">
               <a:rPr lang="en-US" smtClean="0"/>
-              <a:t>6/25/2017</a:t>
+              <a:t>3/17/2019</a:t>
             </a:fld>
             <a:endParaRPr lang="en-US"/>
           </a:p>
@@ -2086,7 +2082,7 @@
           <a:p>
             <a:fld id="{32F7251A-AE54-443C-B8FE-5F636E835EBF}" type="datetimeFigureOut">
               <a:rPr lang="en-US" smtClean="0"/>
-              <a:t>6/25/2017</a:t>
+              <a:t>3/17/2019</a:t>
             </a:fld>
             <a:endParaRPr lang="en-US"/>
           </a:p>
@@ -2338,7 +2334,7 @@
           <a:p>
             <a:fld id="{32F7251A-AE54-443C-B8FE-5F636E835EBF}" type="datetimeFigureOut">
               <a:rPr lang="en-US" smtClean="0"/>
-              <a:t>6/25/2017</a:t>
+              <a:t>3/17/2019</a:t>
             </a:fld>
             <a:endParaRPr lang="en-US"/>
           </a:p>
@@ -2552,7 +2548,7 @@
           <a:p>
             <a:fld id="{32F7251A-AE54-443C-B8FE-5F636E835EBF}" type="datetimeFigureOut">
               <a:rPr lang="en-US" smtClean="0"/>
-              <a:t>6/25/2017</a:t>
+              <a:t>3/17/2019</a:t>
             </a:fld>
             <a:endParaRPr lang="en-US"/>
           </a:p>
@@ -3043,7 +3039,7 @@
                   <a:schemeClr val="bg1"/>
                 </a:solidFill>
               </a:rPr>
-              <a:t>“Jesus, Thou Art Standing”</a:t>
+              <a:t>“O Jesus, Thou Art Standing”</a:t>
             </a:r>
           </a:p>
         </p:txBody>
@@ -3283,7 +3279,7 @@
                   <a:schemeClr val="bg1"/>
                 </a:solidFill>
               </a:rPr>
-              <a:t>“Jesus, Thou Art Standing”</a:t>
+              <a:t>“O Jesus, Thou Art Standing”</a:t>
             </a:r>
           </a:p>
         </p:txBody>
@@ -3539,7 +3535,7 @@
                   <a:schemeClr val="bg1"/>
                 </a:solidFill>
               </a:rPr>
-              <a:t>“Jesus, Thou Art Standing”</a:t>
+              <a:t>“O Jesus, Thou Art Standing”</a:t>
             </a:r>
           </a:p>
         </p:txBody>
